--- a/nVidia CUDA on GPU.pptx
+++ b/nVidia CUDA on GPU.pptx
@@ -14,7 +14,8 @@
     <p:sldId id="263" r:id="rId8"/>
     <p:sldId id="264" r:id="rId9"/>
     <p:sldId id="265" r:id="rId10"/>
-    <p:sldId id="257" r:id="rId11"/>
+    <p:sldId id="266" r:id="rId11"/>
+    <p:sldId id="257" r:id="rId12"/>
   </p:sldIdLst>
   <p:sldSz cx="12192000" cy="6858000"/>
   <p:notesSz cx="6858000" cy="9144000"/>
@@ -113,6 +114,11 @@
       </a:defRPr>
     </a:lvl9pPr>
   </p:defaultTextStyle>
+  <p:extLst>
+    <p:ext uri="{EFAFB233-063F-42B5-8137-9DF3F51BA10A}">
+      <p15:sldGuideLst xmlns:p15="http://schemas.microsoft.com/office/powerpoint/2012/main"/>
+    </p:ext>
+  </p:extLst>
 </p:presentation>
 </file>
 
@@ -265,7 +271,7 @@
           <a:p>
             <a:fld id="{68764D76-17DF-4E4C-A3A0-9E0C7FFC9EFD}" type="datetimeFigureOut">
               <a:rPr lang="ar-EG" smtClean="0"/>
-              <a:t>17/08/1439</a:t>
+              <a:t>05/04/1440</a:t>
             </a:fld>
             <a:endParaRPr lang="ar-EG"/>
           </a:p>
@@ -465,7 +471,7 @@
           <a:p>
             <a:fld id="{68764D76-17DF-4E4C-A3A0-9E0C7FFC9EFD}" type="datetimeFigureOut">
               <a:rPr lang="ar-EG" smtClean="0"/>
-              <a:t>17/08/1439</a:t>
+              <a:t>05/04/1440</a:t>
             </a:fld>
             <a:endParaRPr lang="ar-EG"/>
           </a:p>
@@ -675,7 +681,7 @@
           <a:p>
             <a:fld id="{68764D76-17DF-4E4C-A3A0-9E0C7FFC9EFD}" type="datetimeFigureOut">
               <a:rPr lang="ar-EG" smtClean="0"/>
-              <a:t>17/08/1439</a:t>
+              <a:t>05/04/1440</a:t>
             </a:fld>
             <a:endParaRPr lang="ar-EG"/>
           </a:p>
@@ -875,7 +881,7 @@
           <a:p>
             <a:fld id="{68764D76-17DF-4E4C-A3A0-9E0C7FFC9EFD}" type="datetimeFigureOut">
               <a:rPr lang="ar-EG" smtClean="0"/>
-              <a:t>17/08/1439</a:t>
+              <a:t>05/04/1440</a:t>
             </a:fld>
             <a:endParaRPr lang="ar-EG"/>
           </a:p>
@@ -1151,7 +1157,7 @@
           <a:p>
             <a:fld id="{68764D76-17DF-4E4C-A3A0-9E0C7FFC9EFD}" type="datetimeFigureOut">
               <a:rPr lang="ar-EG" smtClean="0"/>
-              <a:t>17/08/1439</a:t>
+              <a:t>05/04/1440</a:t>
             </a:fld>
             <a:endParaRPr lang="ar-EG"/>
           </a:p>
@@ -1419,7 +1425,7 @@
           <a:p>
             <a:fld id="{68764D76-17DF-4E4C-A3A0-9E0C7FFC9EFD}" type="datetimeFigureOut">
               <a:rPr lang="ar-EG" smtClean="0"/>
-              <a:t>17/08/1439</a:t>
+              <a:t>05/04/1440</a:t>
             </a:fld>
             <a:endParaRPr lang="ar-EG"/>
           </a:p>
@@ -1834,7 +1840,7 @@
           <a:p>
             <a:fld id="{68764D76-17DF-4E4C-A3A0-9E0C7FFC9EFD}" type="datetimeFigureOut">
               <a:rPr lang="ar-EG" smtClean="0"/>
-              <a:t>17/08/1439</a:t>
+              <a:t>05/04/1440</a:t>
             </a:fld>
             <a:endParaRPr lang="ar-EG"/>
           </a:p>
@@ -1976,7 +1982,7 @@
           <a:p>
             <a:fld id="{68764D76-17DF-4E4C-A3A0-9E0C7FFC9EFD}" type="datetimeFigureOut">
               <a:rPr lang="ar-EG" smtClean="0"/>
-              <a:t>17/08/1439</a:t>
+              <a:t>05/04/1440</a:t>
             </a:fld>
             <a:endParaRPr lang="ar-EG"/>
           </a:p>
@@ -2089,7 +2095,7 @@
           <a:p>
             <a:fld id="{68764D76-17DF-4E4C-A3A0-9E0C7FFC9EFD}" type="datetimeFigureOut">
               <a:rPr lang="ar-EG" smtClean="0"/>
-              <a:t>17/08/1439</a:t>
+              <a:t>05/04/1440</a:t>
             </a:fld>
             <a:endParaRPr lang="ar-EG"/>
           </a:p>
@@ -2402,7 +2408,7 @@
           <a:p>
             <a:fld id="{68764D76-17DF-4E4C-A3A0-9E0C7FFC9EFD}" type="datetimeFigureOut">
               <a:rPr lang="ar-EG" smtClean="0"/>
-              <a:t>17/08/1439</a:t>
+              <a:t>05/04/1440</a:t>
             </a:fld>
             <a:endParaRPr lang="ar-EG"/>
           </a:p>
@@ -2691,7 +2697,7 @@
           <a:p>
             <a:fld id="{68764D76-17DF-4E4C-A3A0-9E0C7FFC9EFD}" type="datetimeFigureOut">
               <a:rPr lang="ar-EG" smtClean="0"/>
-              <a:t>17/08/1439</a:t>
+              <a:t>05/04/1440</a:t>
             </a:fld>
             <a:endParaRPr lang="ar-EG"/>
           </a:p>
@@ -2934,7 +2940,7 @@
           <a:p>
             <a:fld id="{68764D76-17DF-4E4C-A3A0-9E0C7FFC9EFD}" type="datetimeFigureOut">
               <a:rPr lang="ar-EG" smtClean="0"/>
-              <a:t>17/08/1439</a:t>
+              <a:t>05/04/1440</a:t>
             </a:fld>
             <a:endParaRPr lang="ar-EG"/>
           </a:p>
@@ -3444,6 +3450,179 @@
           <p:cNvPr id="2" name="Title 1">
             <a:extLst>
               <a:ext uri="{FF2B5EF4-FFF2-40B4-BE49-F238E27FC236}">
+                <a16:creationId xmlns:a16="http://schemas.microsoft.com/office/drawing/2014/main" id="{C99C76D5-63CB-415B-A1D0-240358623C36}"/>
+              </a:ext>
+            </a:extLst>
+          </p:cNvPr>
+          <p:cNvSpPr>
+            <a:spLocks noGrp="1"/>
+          </p:cNvSpPr>
+          <p:nvPr>
+            <p:ph type="title"/>
+          </p:nvPr>
+        </p:nvSpPr>
+        <p:spPr/>
+        <p:txBody>
+          <a:bodyPr/>
+          <a:lstStyle/>
+          <a:p>
+            <a:r>
+              <a:rPr lang="en-US" dirty="0"/>
+              <a:t>CUDA Installation</a:t>
+            </a:r>
+            <a:endParaRPr lang="ar-EG" dirty="0"/>
+          </a:p>
+        </p:txBody>
+      </p:sp>
+      <p:sp>
+        <p:nvSpPr>
+          <p:cNvPr id="3" name="Content Placeholder 2">
+            <a:extLst>
+              <a:ext uri="{FF2B5EF4-FFF2-40B4-BE49-F238E27FC236}">
+                <a16:creationId xmlns:a16="http://schemas.microsoft.com/office/drawing/2014/main" id="{AEB27A04-F610-45D3-AEF4-9987BB658CA3}"/>
+              </a:ext>
+            </a:extLst>
+          </p:cNvPr>
+          <p:cNvSpPr>
+            <a:spLocks noGrp="1"/>
+          </p:cNvSpPr>
+          <p:nvPr>
+            <p:ph idx="1"/>
+          </p:nvPr>
+        </p:nvSpPr>
+        <p:spPr/>
+        <p:txBody>
+          <a:bodyPr/>
+          <a:lstStyle/>
+          <a:p>
+            <a:pPr marL="0" indent="0">
+              <a:buNone/>
+            </a:pPr>
+            <a:r>
+              <a:rPr lang="en-US" dirty="0"/>
+              <a:t>The NVIDIA GPU can be programmed using CUDA or OpenCL. </a:t>
+            </a:r>
+          </a:p>
+          <a:p>
+            <a:pPr marL="457200" lvl="1" indent="0">
+              <a:buNone/>
+            </a:pPr>
+            <a:r>
+              <a:rPr lang="en-US" dirty="0"/>
+              <a:t>CUDA is the most common language</a:t>
+            </a:r>
+          </a:p>
+          <a:p>
+            <a:pPr marL="514350" indent="-514350">
+              <a:buFont typeface="+mj-lt"/>
+              <a:buAutoNum type="arabicPeriod"/>
+            </a:pPr>
+            <a:r>
+              <a:rPr lang="en-US" dirty="0"/>
+              <a:t>verify you have supported version of Linux</a:t>
+            </a:r>
+          </a:p>
+          <a:p>
+            <a:pPr marL="514350" indent="-514350">
+              <a:buFont typeface="+mj-lt"/>
+              <a:buAutoNum type="arabicPeriod"/>
+            </a:pPr>
+            <a:r>
+              <a:rPr lang="en-US" dirty="0"/>
+              <a:t>verify that </a:t>
+            </a:r>
+            <a:r>
+              <a:rPr lang="en-US" dirty="0" err="1"/>
+              <a:t>gcc</a:t>
+            </a:r>
+            <a:r>
+              <a:rPr lang="en-US" dirty="0"/>
+              <a:t> is installed</a:t>
+            </a:r>
+          </a:p>
+          <a:p>
+            <a:pPr marL="514350" indent="-514350">
+              <a:buFont typeface="+mj-lt"/>
+              <a:buAutoNum type="arabicPeriod"/>
+            </a:pPr>
+            <a:r>
+              <a:rPr lang="en-US" dirty="0"/>
+              <a:t>download and install </a:t>
+            </a:r>
+            <a:r>
+              <a:rPr lang="en-US" dirty="0" err="1"/>
+              <a:t>Nividia</a:t>
+            </a:r>
+            <a:r>
+              <a:rPr lang="en-US" dirty="0"/>
+              <a:t> driver and </a:t>
+            </a:r>
+            <a:r>
+              <a:rPr lang="en-US" dirty="0" err="1"/>
+              <a:t>cuda</a:t>
+            </a:r>
+            <a:r>
+              <a:rPr lang="en-US" dirty="0"/>
+              <a:t> software</a:t>
+            </a:r>
+          </a:p>
+          <a:p>
+            <a:pPr marL="514350" indent="-514350">
+              <a:buFont typeface="+mj-lt"/>
+              <a:buAutoNum type="arabicPeriod"/>
+            </a:pPr>
+            <a:r>
+              <a:rPr lang="en-US" dirty="0"/>
+              <a:t>verify installation</a:t>
+            </a:r>
+          </a:p>
+          <a:p>
+            <a:pPr marL="514350" indent="-514350">
+              <a:buFont typeface="+mj-lt"/>
+              <a:buAutoNum type="arabicPeriod"/>
+            </a:pPr>
+            <a:r>
+              <a:rPr lang="en-US" dirty="0"/>
+              <a:t>Running an example</a:t>
+            </a:r>
+          </a:p>
+        </p:txBody>
+      </p:sp>
+    </p:spTree>
+    <p:extLst>
+      <p:ext uri="{BB962C8B-B14F-4D97-AF65-F5344CB8AC3E}">
+        <p14:creationId xmlns:p14="http://schemas.microsoft.com/office/powerpoint/2010/main" val="1935169769"/>
+      </p:ext>
+    </p:extLst>
+  </p:cSld>
+  <p:clrMapOvr>
+    <a:masterClrMapping/>
+  </p:clrMapOvr>
+</p:sld>
+</file>
+
+<file path=ppt/slides/slide11.xml><?xml version="1.0" encoding="utf-8"?>
+<p:sld xmlns:a="http://schemas.openxmlformats.org/drawingml/2006/main" xmlns:r="http://schemas.openxmlformats.org/officeDocument/2006/relationships" xmlns:p="http://schemas.openxmlformats.org/presentationml/2006/main">
+  <p:cSld>
+    <p:spTree>
+      <p:nvGrpSpPr>
+        <p:cNvPr id="1" name=""/>
+        <p:cNvGrpSpPr/>
+        <p:nvPr/>
+      </p:nvGrpSpPr>
+      <p:grpSpPr>
+        <a:xfrm>
+          <a:off x="0" y="0"/>
+          <a:ext cx="0" cy="0"/>
+          <a:chOff x="0" y="0"/>
+          <a:chExt cx="0" cy="0"/>
+        </a:xfrm>
+      </p:grpSpPr>
+      <p:sp>
+        <p:nvSpPr>
+          <p:cNvPr id="2" name="Title 1">
+            <a:extLst>
+              <a:ext uri="{FF2B5EF4-FFF2-40B4-BE49-F238E27FC236}">
                 <a16:creationId xmlns:a16="http://schemas.microsoft.com/office/drawing/2014/main" id="{C6F267AD-1E24-4D60-A9D5-57609E5FD68F}"/>
               </a:ext>
             </a:extLst>
@@ -5092,9 +5271,39 @@
           <a:lstStyle/>
           <a:p>
             <a:r>
+              <a:rPr lang="en-US" dirty="0">
+                <a:hlinkClick r:id="rId2"/>
+              </a:rPr>
+              <a:t>https://sites.google.com/site/5kk70gpu/assignment-s/color-conversion</a:t>
+            </a:r>
+            <a:endParaRPr lang="en-US" dirty="0"/>
+          </a:p>
+          <a:p>
+            <a:endParaRPr lang="en-US" dirty="0"/>
+          </a:p>
+          <a:p>
+            <a:r>
               <a:rPr lang="en-US" dirty="0"/>
-              <a:t>https://sites.google.com/site/5kk70gpu/assignment-s/color-conversion</a:t>
-            </a:r>
+              <a:t>Today Resources: </a:t>
+            </a:r>
+            <a:r>
+              <a:rPr lang="en-US" dirty="0">
+                <a:hlinkClick r:id="rId3"/>
+              </a:rPr>
+              <a:t>https://github.com/saraAwaad/CUDA_GPU</a:t>
+            </a:r>
+            <a:endParaRPr lang="en-US" dirty="0"/>
+          </a:p>
+          <a:p>
+            <a:pPr marL="0" indent="0">
+              <a:buNone/>
+            </a:pPr>
+            <a:endParaRPr lang="en-US" dirty="0"/>
+          </a:p>
+          <a:p>
+            <a:endParaRPr lang="en-US" dirty="0"/>
+          </a:p>
+          <a:p>
             <a:endParaRPr lang="ar-EG" dirty="0"/>
           </a:p>
         </p:txBody>
